--- a/3DLv2_2023_vs2019_Game/Plan/企画書.pptx
+++ b/3DLv2_2023_vs2019_Game/Plan/企画書.pptx
@@ -5,16 +5,17 @@
     <p:sldMasterId id="2147483659" r:id="rId1"/>
   </p:sldMasterIdLst>
   <p:notesMasterIdLst>
-    <p:notesMasterId r:id="rId9"/>
+    <p:notesMasterId r:id="rId10"/>
   </p:notesMasterIdLst>
   <p:sldIdLst>
     <p:sldId id="256" r:id="rId2"/>
     <p:sldId id="257" r:id="rId3"/>
     <p:sldId id="259" r:id="rId4"/>
-    <p:sldId id="261" r:id="rId5"/>
-    <p:sldId id="260" r:id="rId6"/>
-    <p:sldId id="262" r:id="rId7"/>
-    <p:sldId id="263" r:id="rId8"/>
+    <p:sldId id="264" r:id="rId5"/>
+    <p:sldId id="261" r:id="rId6"/>
+    <p:sldId id="260" r:id="rId7"/>
+    <p:sldId id="262" r:id="rId8"/>
+    <p:sldId id="263" r:id="rId9"/>
   </p:sldIdLst>
   <p:sldSz cx="9144000" cy="5143500" type="screen16x9"/>
   <p:notesSz cx="6858000" cy="9144000"/>
@@ -6408,6 +6409,19 @@
             </a:pPr>
             <a:r>
               <a:rPr lang="ja-JP" altLang="en-US" dirty="0"/>
+              <a:t>・ステージには銃や爆弾、火などを使用</a:t>
+            </a:r>
+            <a:endParaRPr lang="en-US" altLang="ja-JP" dirty="0"/>
+          </a:p>
+          <a:p>
+            <a:pPr marL="0" lvl="0" indent="0">
+              <a:spcAft>
+                <a:spcPts val="1200"/>
+              </a:spcAft>
+              <a:buNone/>
+            </a:pPr>
+            <a:r>
+              <a:rPr lang="ja-JP" altLang="en-US" dirty="0"/>
               <a:t>・ライフは</a:t>
             </a:r>
             <a:r>
@@ -7238,6 +7252,559 @@
 </file>
 
 <file path=ppt/slides/slide4.xml><?xml version="1.0" encoding="utf-8"?>
+<p:sld xmlns:a="http://schemas.openxmlformats.org/drawingml/2006/main" xmlns:r="http://schemas.openxmlformats.org/officeDocument/2006/relationships" xmlns:p="http://schemas.openxmlformats.org/presentationml/2006/main">
+  <p:cSld>
+    <p:spTree>
+      <p:nvGrpSpPr>
+        <p:cNvPr id="1" name=""/>
+        <p:cNvGrpSpPr/>
+        <p:nvPr/>
+      </p:nvGrpSpPr>
+      <p:grpSpPr>
+        <a:xfrm>
+          <a:off x="0" y="0"/>
+          <a:ext cx="0" cy="0"/>
+          <a:chOff x="0" y="0"/>
+          <a:chExt cx="0" cy="0"/>
+        </a:xfrm>
+      </p:grpSpPr>
+      <p:pic>
+        <p:nvPicPr>
+          <p:cNvPr id="5" name="図 4">
+            <a:extLst>
+              <a:ext uri="{FF2B5EF4-FFF2-40B4-BE49-F238E27FC236}">
+                <a16:creationId xmlns:a16="http://schemas.microsoft.com/office/drawing/2014/main" id="{CEDD6A4E-E468-4BC0-8B73-11F28D22B024}"/>
+              </a:ext>
+            </a:extLst>
+          </p:cNvPr>
+          <p:cNvPicPr>
+            <a:picLocks noChangeAspect="1"/>
+          </p:cNvPicPr>
+          <p:nvPr/>
+        </p:nvPicPr>
+        <p:blipFill>
+          <a:blip r:embed="rId2"/>
+          <a:stretch>
+            <a:fillRect/>
+          </a:stretch>
+        </p:blipFill>
+        <p:spPr>
+          <a:xfrm>
+            <a:off x="784349" y="798750"/>
+            <a:ext cx="7094582" cy="3994250"/>
+          </a:xfrm>
+          <a:prstGeom prst="rect">
+            <a:avLst/>
+          </a:prstGeom>
+        </p:spPr>
+      </p:pic>
+      <p:sp>
+        <p:nvSpPr>
+          <p:cNvPr id="3" name="テキスト プレースホルダー 2">
+            <a:extLst>
+              <a:ext uri="{FF2B5EF4-FFF2-40B4-BE49-F238E27FC236}">
+                <a16:creationId xmlns:a16="http://schemas.microsoft.com/office/drawing/2014/main" id="{5DA542C5-3A59-4639-85E5-B8811588A347}"/>
+              </a:ext>
+            </a:extLst>
+          </p:cNvPr>
+          <p:cNvSpPr>
+            <a:spLocks noGrp="1"/>
+          </p:cNvSpPr>
+          <p:nvPr>
+            <p:ph type="body" idx="1"/>
+          </p:nvPr>
+        </p:nvSpPr>
+        <p:spPr>
+          <a:xfrm>
+            <a:off x="3600450" y="2285400"/>
+            <a:ext cx="1101778" cy="1760820"/>
+          </a:xfrm>
+        </p:spPr>
+        <p:txBody>
+          <a:bodyPr vert="eaVert">
+            <a:normAutofit/>
+          </a:bodyPr>
+          <a:lstStyle/>
+          <a:p>
+            <a:pPr marL="114300" indent="0">
+              <a:buNone/>
+            </a:pPr>
+            <a:r>
+              <a:rPr kumimoji="1" lang="ja-JP" altLang="en-US" sz="2400" dirty="0">
+                <a:solidFill>
+                  <a:schemeClr val="bg1"/>
+                </a:solidFill>
+              </a:rPr>
+              <a:t>サボり中</a:t>
+            </a:r>
+          </a:p>
+        </p:txBody>
+      </p:sp>
+      <p:sp>
+        <p:nvSpPr>
+          <p:cNvPr id="2" name="タイトル 1">
+            <a:extLst>
+              <a:ext uri="{FF2B5EF4-FFF2-40B4-BE49-F238E27FC236}">
+                <a16:creationId xmlns:a16="http://schemas.microsoft.com/office/drawing/2014/main" id="{70E2C7DF-EACD-40DE-A579-2168A90B08EA}"/>
+              </a:ext>
+            </a:extLst>
+          </p:cNvPr>
+          <p:cNvSpPr>
+            <a:spLocks noGrp="1"/>
+          </p:cNvSpPr>
+          <p:nvPr>
+            <p:ph type="title"/>
+          </p:nvPr>
+        </p:nvSpPr>
+        <p:spPr>
+          <a:xfrm>
+            <a:off x="311700" y="226050"/>
+            <a:ext cx="8520600" cy="572700"/>
+          </a:xfrm>
+        </p:spPr>
+        <p:txBody>
+          <a:bodyPr>
+            <a:normAutofit fontScale="90000"/>
+          </a:bodyPr>
+          <a:lstStyle/>
+          <a:p>
+            <a:r>
+              <a:rPr kumimoji="1" lang="en-US" altLang="ja-JP" dirty="0"/>
+              <a:t>2-1. </a:t>
+            </a:r>
+            <a:r>
+              <a:rPr kumimoji="1" lang="ja-JP" altLang="en-US" dirty="0"/>
+              <a:t>ゲーム画面</a:t>
+            </a:r>
+          </a:p>
+        </p:txBody>
+      </p:sp>
+      <p:sp>
+        <p:nvSpPr>
+          <p:cNvPr id="7" name="タイトル 1">
+            <a:extLst>
+              <a:ext uri="{FF2B5EF4-FFF2-40B4-BE49-F238E27FC236}">
+                <a16:creationId xmlns:a16="http://schemas.microsoft.com/office/drawing/2014/main" id="{A8E8DB47-BF95-4925-A5C6-35BFC5B4A1D0}"/>
+              </a:ext>
+            </a:extLst>
+          </p:cNvPr>
+          <p:cNvSpPr txBox="1">
+            <a:spLocks/>
+          </p:cNvSpPr>
+          <p:nvPr/>
+        </p:nvSpPr>
+        <p:spPr>
+          <a:xfrm>
+            <a:off x="788385" y="798750"/>
+            <a:ext cx="8520600" cy="572700"/>
+          </a:xfrm>
+          <a:prstGeom prst="rect">
+            <a:avLst/>
+          </a:prstGeom>
+          <a:noFill/>
+          <a:ln>
+            <a:noFill/>
+          </a:ln>
+        </p:spPr>
+        <p:txBody>
+          <a:bodyPr spcFirstLastPara="1" wrap="square" lIns="91425" tIns="91425" rIns="91425" bIns="91425" anchor="t" anchorCtr="0">
+            <a:noAutofit/>
+          </a:bodyPr>
+          <a:lstStyle>
+            <a:defPPr marR="0" lvl="0" algn="l" rtl="0">
+              <a:lnSpc>
+                <a:spcPct val="100000"/>
+              </a:lnSpc>
+              <a:spcBef>
+                <a:spcPts val="0"/>
+              </a:spcBef>
+              <a:spcAft>
+                <a:spcPts val="0"/>
+              </a:spcAft>
+            </a:defPPr>
+            <a:lvl1pPr marR="0" lvl="0" algn="l" rtl="0">
+              <a:lnSpc>
+                <a:spcPct val="100000"/>
+              </a:lnSpc>
+              <a:spcBef>
+                <a:spcPts val="0"/>
+              </a:spcBef>
+              <a:spcAft>
+                <a:spcPts val="0"/>
+              </a:spcAft>
+              <a:buClr>
+                <a:schemeClr val="dk1"/>
+              </a:buClr>
+              <a:buSzPts val="2800"/>
+              <a:buFont typeface="Arial"/>
+              <a:buNone/>
+              <a:defRPr sz="2800" b="0" i="0" u="none" strike="noStrike" cap="none">
+                <a:solidFill>
+                  <a:schemeClr val="dk1"/>
+                </a:solidFill>
+                <a:latin typeface="Arial"/>
+                <a:ea typeface="Arial"/>
+                <a:cs typeface="Arial"/>
+                <a:sym typeface="Arial"/>
+              </a:defRPr>
+            </a:lvl1pPr>
+            <a:lvl2pPr marR="0" lvl="1" algn="l" rtl="0">
+              <a:lnSpc>
+                <a:spcPct val="100000"/>
+              </a:lnSpc>
+              <a:spcBef>
+                <a:spcPts val="0"/>
+              </a:spcBef>
+              <a:spcAft>
+                <a:spcPts val="0"/>
+              </a:spcAft>
+              <a:buClr>
+                <a:schemeClr val="dk1"/>
+              </a:buClr>
+              <a:buSzPts val="2800"/>
+              <a:buFont typeface="Arial"/>
+              <a:buNone/>
+              <a:defRPr sz="2800" b="0" i="0" u="none" strike="noStrike" cap="none">
+                <a:solidFill>
+                  <a:schemeClr val="dk1"/>
+                </a:solidFill>
+                <a:latin typeface="Arial"/>
+                <a:ea typeface="Arial"/>
+                <a:cs typeface="Arial"/>
+                <a:sym typeface="Arial"/>
+              </a:defRPr>
+            </a:lvl2pPr>
+            <a:lvl3pPr marR="0" lvl="2" algn="l" rtl="0">
+              <a:lnSpc>
+                <a:spcPct val="100000"/>
+              </a:lnSpc>
+              <a:spcBef>
+                <a:spcPts val="0"/>
+              </a:spcBef>
+              <a:spcAft>
+                <a:spcPts val="0"/>
+              </a:spcAft>
+              <a:buClr>
+                <a:schemeClr val="dk1"/>
+              </a:buClr>
+              <a:buSzPts val="2800"/>
+              <a:buFont typeface="Arial"/>
+              <a:buNone/>
+              <a:defRPr sz="2800" b="0" i="0" u="none" strike="noStrike" cap="none">
+                <a:solidFill>
+                  <a:schemeClr val="dk1"/>
+                </a:solidFill>
+                <a:latin typeface="Arial"/>
+                <a:ea typeface="Arial"/>
+                <a:cs typeface="Arial"/>
+                <a:sym typeface="Arial"/>
+              </a:defRPr>
+            </a:lvl3pPr>
+            <a:lvl4pPr marR="0" lvl="3" algn="l" rtl="0">
+              <a:lnSpc>
+                <a:spcPct val="100000"/>
+              </a:lnSpc>
+              <a:spcBef>
+                <a:spcPts val="0"/>
+              </a:spcBef>
+              <a:spcAft>
+                <a:spcPts val="0"/>
+              </a:spcAft>
+              <a:buClr>
+                <a:schemeClr val="dk1"/>
+              </a:buClr>
+              <a:buSzPts val="2800"/>
+              <a:buFont typeface="Arial"/>
+              <a:buNone/>
+              <a:defRPr sz="2800" b="0" i="0" u="none" strike="noStrike" cap="none">
+                <a:solidFill>
+                  <a:schemeClr val="dk1"/>
+                </a:solidFill>
+                <a:latin typeface="Arial"/>
+                <a:ea typeface="Arial"/>
+                <a:cs typeface="Arial"/>
+                <a:sym typeface="Arial"/>
+              </a:defRPr>
+            </a:lvl4pPr>
+            <a:lvl5pPr marR="0" lvl="4" algn="l" rtl="0">
+              <a:lnSpc>
+                <a:spcPct val="100000"/>
+              </a:lnSpc>
+              <a:spcBef>
+                <a:spcPts val="0"/>
+              </a:spcBef>
+              <a:spcAft>
+                <a:spcPts val="0"/>
+              </a:spcAft>
+              <a:buClr>
+                <a:schemeClr val="dk1"/>
+              </a:buClr>
+              <a:buSzPts val="2800"/>
+              <a:buFont typeface="Arial"/>
+              <a:buNone/>
+              <a:defRPr sz="2800" b="0" i="0" u="none" strike="noStrike" cap="none">
+                <a:solidFill>
+                  <a:schemeClr val="dk1"/>
+                </a:solidFill>
+                <a:latin typeface="Arial"/>
+                <a:ea typeface="Arial"/>
+                <a:cs typeface="Arial"/>
+                <a:sym typeface="Arial"/>
+              </a:defRPr>
+            </a:lvl5pPr>
+            <a:lvl6pPr marR="0" lvl="5" algn="l" rtl="0">
+              <a:lnSpc>
+                <a:spcPct val="100000"/>
+              </a:lnSpc>
+              <a:spcBef>
+                <a:spcPts val="0"/>
+              </a:spcBef>
+              <a:spcAft>
+                <a:spcPts val="0"/>
+              </a:spcAft>
+              <a:buClr>
+                <a:schemeClr val="dk1"/>
+              </a:buClr>
+              <a:buSzPts val="2800"/>
+              <a:buFont typeface="Arial"/>
+              <a:buNone/>
+              <a:defRPr sz="2800" b="0" i="0" u="none" strike="noStrike" cap="none">
+                <a:solidFill>
+                  <a:schemeClr val="dk1"/>
+                </a:solidFill>
+                <a:latin typeface="Arial"/>
+                <a:ea typeface="Arial"/>
+                <a:cs typeface="Arial"/>
+                <a:sym typeface="Arial"/>
+              </a:defRPr>
+            </a:lvl6pPr>
+            <a:lvl7pPr marR="0" lvl="6" algn="l" rtl="0">
+              <a:lnSpc>
+                <a:spcPct val="100000"/>
+              </a:lnSpc>
+              <a:spcBef>
+                <a:spcPts val="0"/>
+              </a:spcBef>
+              <a:spcAft>
+                <a:spcPts val="0"/>
+              </a:spcAft>
+              <a:buClr>
+                <a:schemeClr val="dk1"/>
+              </a:buClr>
+              <a:buSzPts val="2800"/>
+              <a:buFont typeface="Arial"/>
+              <a:buNone/>
+              <a:defRPr sz="2800" b="0" i="0" u="none" strike="noStrike" cap="none">
+                <a:solidFill>
+                  <a:schemeClr val="dk1"/>
+                </a:solidFill>
+                <a:latin typeface="Arial"/>
+                <a:ea typeface="Arial"/>
+                <a:cs typeface="Arial"/>
+                <a:sym typeface="Arial"/>
+              </a:defRPr>
+            </a:lvl7pPr>
+            <a:lvl8pPr marR="0" lvl="7" algn="l" rtl="0">
+              <a:lnSpc>
+                <a:spcPct val="100000"/>
+              </a:lnSpc>
+              <a:spcBef>
+                <a:spcPts val="0"/>
+              </a:spcBef>
+              <a:spcAft>
+                <a:spcPts val="0"/>
+              </a:spcAft>
+              <a:buClr>
+                <a:schemeClr val="dk1"/>
+              </a:buClr>
+              <a:buSzPts val="2800"/>
+              <a:buFont typeface="Arial"/>
+              <a:buNone/>
+              <a:defRPr sz="2800" b="0" i="0" u="none" strike="noStrike" cap="none">
+                <a:solidFill>
+                  <a:schemeClr val="dk1"/>
+                </a:solidFill>
+                <a:latin typeface="Arial"/>
+                <a:ea typeface="Arial"/>
+                <a:cs typeface="Arial"/>
+                <a:sym typeface="Arial"/>
+              </a:defRPr>
+            </a:lvl8pPr>
+            <a:lvl9pPr marR="0" lvl="8" algn="l" rtl="0">
+              <a:lnSpc>
+                <a:spcPct val="100000"/>
+              </a:lnSpc>
+              <a:spcBef>
+                <a:spcPts val="0"/>
+              </a:spcBef>
+              <a:spcAft>
+                <a:spcPts val="0"/>
+              </a:spcAft>
+              <a:buClr>
+                <a:schemeClr val="dk1"/>
+              </a:buClr>
+              <a:buSzPts val="2800"/>
+              <a:buFont typeface="Arial"/>
+              <a:buNone/>
+              <a:defRPr sz="2800" b="0" i="0" u="none" strike="noStrike" cap="none">
+                <a:solidFill>
+                  <a:schemeClr val="dk1"/>
+                </a:solidFill>
+                <a:latin typeface="Arial"/>
+                <a:ea typeface="Arial"/>
+                <a:cs typeface="Arial"/>
+                <a:sym typeface="Arial"/>
+              </a:defRPr>
+            </a:lvl9pPr>
+          </a:lstStyle>
+          <a:p>
+            <a:r>
+              <a:rPr kumimoji="1" lang="ja-JP" altLang="en-US" dirty="0">
+                <a:solidFill>
+                  <a:schemeClr val="bg1"/>
+                </a:solidFill>
+              </a:rPr>
+              <a:t>ステージ</a:t>
+            </a:r>
+            <a:r>
+              <a:rPr kumimoji="1" lang="en-US" altLang="ja-JP" dirty="0">
+                <a:solidFill>
+                  <a:schemeClr val="bg1"/>
+                </a:solidFill>
+              </a:rPr>
+              <a:t>2</a:t>
+            </a:r>
+            <a:endParaRPr kumimoji="1" lang="ja-JP" altLang="en-US" dirty="0">
+              <a:solidFill>
+                <a:schemeClr val="bg1"/>
+              </a:solidFill>
+            </a:endParaRPr>
+          </a:p>
+        </p:txBody>
+      </p:sp>
+      <p:pic>
+        <p:nvPicPr>
+          <p:cNvPr id="8" name="図 7">
+            <a:extLst>
+              <a:ext uri="{FF2B5EF4-FFF2-40B4-BE49-F238E27FC236}">
+                <a16:creationId xmlns:a16="http://schemas.microsoft.com/office/drawing/2014/main" id="{E827854C-A242-4F1E-90D5-64EA552CA737}"/>
+              </a:ext>
+            </a:extLst>
+          </p:cNvPr>
+          <p:cNvPicPr>
+            <a:picLocks noChangeAspect="1"/>
+          </p:cNvPicPr>
+          <p:nvPr/>
+        </p:nvPicPr>
+        <p:blipFill>
+          <a:blip r:embed="rId3"/>
+          <a:stretch>
+            <a:fillRect/>
+          </a:stretch>
+        </p:blipFill>
+        <p:spPr>
+          <a:xfrm>
+            <a:off x="618057" y="2081610"/>
+            <a:ext cx="2263140" cy="2263140"/>
+          </a:xfrm>
+          <a:prstGeom prst="rect">
+            <a:avLst/>
+          </a:prstGeom>
+        </p:spPr>
+      </p:pic>
+      <p:sp>
+        <p:nvSpPr>
+          <p:cNvPr id="10" name="正方形/長方形 9">
+            <a:extLst>
+              <a:ext uri="{FF2B5EF4-FFF2-40B4-BE49-F238E27FC236}">
+                <a16:creationId xmlns:a16="http://schemas.microsoft.com/office/drawing/2014/main" id="{FFC05981-25F2-499E-A219-26E5425A73F2}"/>
+              </a:ext>
+            </a:extLst>
+          </p:cNvPr>
+          <p:cNvSpPr/>
+          <p:nvPr/>
+        </p:nvSpPr>
+        <p:spPr>
+          <a:xfrm>
+            <a:off x="4231124" y="1751789"/>
+            <a:ext cx="3108543" cy="384721"/>
+          </a:xfrm>
+          <a:prstGeom prst="rect">
+            <a:avLst/>
+          </a:prstGeom>
+        </p:spPr>
+        <p:txBody>
+          <a:bodyPr wrap="none">
+            <a:spAutoFit/>
+          </a:bodyPr>
+          <a:lstStyle/>
+          <a:p>
+            <a:r>
+              <a:rPr lang="ja-JP" altLang="en-US" sz="1900" dirty="0">
+                <a:solidFill>
+                  <a:schemeClr val="bg1"/>
+                </a:solidFill>
+                <a:highlight>
+                  <a:srgbClr val="000000"/>
+                </a:highlight>
+              </a:rPr>
+              <a:t>給料高くするから守ってよ</a:t>
+            </a:r>
+            <a:endParaRPr lang="en-US" altLang="ja-JP" sz="1900" dirty="0">
+              <a:solidFill>
+                <a:schemeClr val="bg1"/>
+              </a:solidFill>
+              <a:highlight>
+                <a:srgbClr val="000000"/>
+              </a:highlight>
+            </a:endParaRPr>
+          </a:p>
+        </p:txBody>
+      </p:sp>
+      <p:pic>
+        <p:nvPicPr>
+          <p:cNvPr id="6" name="図 5">
+            <a:extLst>
+              <a:ext uri="{FF2B5EF4-FFF2-40B4-BE49-F238E27FC236}">
+                <a16:creationId xmlns:a16="http://schemas.microsoft.com/office/drawing/2014/main" id="{BEE202F1-370F-4C19-9810-098473798908}"/>
+              </a:ext>
+            </a:extLst>
+          </p:cNvPr>
+          <p:cNvPicPr>
+            <a:picLocks noChangeAspect="1"/>
+          </p:cNvPicPr>
+          <p:nvPr/>
+        </p:nvPicPr>
+        <p:blipFill>
+          <a:blip r:embed="rId4"/>
+          <a:stretch>
+            <a:fillRect/>
+          </a:stretch>
+        </p:blipFill>
+        <p:spPr>
+          <a:xfrm>
+            <a:off x="2170396" y="2927620"/>
+            <a:ext cx="1606299" cy="1865380"/>
+          </a:xfrm>
+          <a:prstGeom prst="rect">
+            <a:avLst/>
+          </a:prstGeom>
+        </p:spPr>
+      </p:pic>
+    </p:spTree>
+    <p:extLst>
+      <p:ext uri="{BB962C8B-B14F-4D97-AF65-F5344CB8AC3E}">
+        <p14:creationId xmlns:p14="http://schemas.microsoft.com/office/powerpoint/2010/main" val="2329672081"/>
+      </p:ext>
+    </p:extLst>
+  </p:cSld>
+  <p:clrMapOvr>
+    <a:masterClrMapping/>
+  </p:clrMapOvr>
+</p:sld>
+</file>
+
+<file path=ppt/slides/slide5.xml><?xml version="1.0" encoding="utf-8"?>
 <p:sld xmlns:a="http://schemas.openxmlformats.org/drawingml/2006/main" xmlns:r="http://schemas.openxmlformats.org/officeDocument/2006/relationships" xmlns:p="http://schemas.openxmlformats.org/presentationml/2006/main">
   <p:cSld>
     <p:spTree>
@@ -8041,7 +8608,7 @@
 </p:sld>
 </file>
 
-<file path=ppt/slides/slide5.xml><?xml version="1.0" encoding="utf-8"?>
+<file path=ppt/slides/slide6.xml><?xml version="1.0" encoding="utf-8"?>
 <p:sld xmlns:a="http://schemas.openxmlformats.org/drawingml/2006/main" xmlns:r="http://schemas.openxmlformats.org/officeDocument/2006/relationships" xmlns:p="http://schemas.openxmlformats.org/presentationml/2006/main">
   <p:cSld>
     <p:spTree>
@@ -8826,7 +9393,7 @@
 </p:sld>
 </file>
 
-<file path=ppt/slides/slide6.xml><?xml version="1.0" encoding="utf-8"?>
+<file path=ppt/slides/slide7.xml><?xml version="1.0" encoding="utf-8"?>
 <p:sld xmlns:a="http://schemas.openxmlformats.org/drawingml/2006/main" xmlns:r="http://schemas.openxmlformats.org/officeDocument/2006/relationships" xmlns:p="http://schemas.openxmlformats.org/presentationml/2006/main">
   <p:cSld>
     <p:spTree>
@@ -9604,7 +10171,7 @@
 </p:sld>
 </file>
 
-<file path=ppt/slides/slide7.xml><?xml version="1.0" encoding="utf-8"?>
+<file path=ppt/slides/slide8.xml><?xml version="1.0" encoding="utf-8"?>
 <p:sld xmlns:a="http://schemas.openxmlformats.org/drawingml/2006/main" xmlns:r="http://schemas.openxmlformats.org/officeDocument/2006/relationships" xmlns:p="http://schemas.openxmlformats.org/presentationml/2006/main">
   <p:cSld>
     <p:spTree>

--- a/3DLv2_2023_vs2019_Game/Plan/企画書.pptx
+++ b/3DLv2_2023_vs2019_Game/Plan/企画書.pptx
@@ -6362,19 +6362,6 @@
             </a:pPr>
             <a:r>
               <a:rPr lang="ja-JP" altLang="en-US" dirty="0"/>
-              <a:t>・テロリストはどんな攻撃を仕掛けてくるは分からない</a:t>
-            </a:r>
-            <a:endParaRPr lang="en-US" altLang="ja-JP" dirty="0"/>
-          </a:p>
-          <a:p>
-            <a:pPr marL="0" lvl="0" indent="0">
-              <a:spcAft>
-                <a:spcPts val="1200"/>
-              </a:spcAft>
-              <a:buNone/>
-            </a:pPr>
-            <a:r>
-              <a:rPr lang="ja-JP" altLang="en-US" dirty="0"/>
               <a:t>・</a:t>
             </a:r>
             <a:r>
@@ -6409,7 +6396,7 @@
             </a:pPr>
             <a:r>
               <a:rPr lang="ja-JP" altLang="en-US" dirty="0"/>
-              <a:t>・ステージには銃や爆弾、火などを使用</a:t>
+              <a:t>・ステージには銃や爆弾、戦闘機などを使用</a:t>
             </a:r>
             <a:endParaRPr lang="en-US" altLang="ja-JP" dirty="0"/>
           </a:p>

--- a/3DLv2_2023_vs2019_Game/Plan/企画書.pptx
+++ b/3DLv2_2023_vs2019_Game/Plan/企画書.pptx
@@ -6383,7 +6383,7 @@
             </a:pPr>
             <a:r>
               <a:rPr lang="ja-JP" altLang="en-US" dirty="0"/>
-              <a:t>・ステージをクリアする事に少しずつ次のステージ難しくしたい</a:t>
+              <a:t>・ステージをクリアする事に少しずつ次のステージは難しくしたい</a:t>
             </a:r>
             <a:endParaRPr lang="en-US" altLang="ja-JP" dirty="0"/>
           </a:p>

--- a/3DLv2_2023_vs2019_Game/Plan/企画書.pptx
+++ b/3DLv2_2023_vs2019_Game/Plan/企画書.pptx
@@ -9479,13 +9479,13 @@
         </p:nvSpPr>
         <p:spPr>
           <a:xfrm>
-            <a:off x="366714" y="3616352"/>
+            <a:off x="195264" y="3991243"/>
             <a:ext cx="5784055" cy="707232"/>
           </a:xfrm>
         </p:spPr>
         <p:txBody>
           <a:bodyPr>
-            <a:normAutofit/>
+            <a:normAutofit fontScale="62500" lnSpcReduction="20000"/>
           </a:bodyPr>
           <a:lstStyle/>
           <a:p>
@@ -9493,13 +9493,27 @@
               <a:buNone/>
             </a:pPr>
             <a:r>
-              <a:rPr kumimoji="1" lang="ja-JP" altLang="en-US" sz="2400" dirty="0"/>
+              <a:rPr kumimoji="1" lang="ja-JP" altLang="en-US" sz="2900" b="1" dirty="0"/>
               <a:t>敵などから逃げると</a:t>
             </a:r>
             <a:r>
-              <a:rPr kumimoji="1" lang="en-US" altLang="ja-JP" sz="2400" dirty="0"/>
+              <a:rPr kumimoji="1" lang="en-US" altLang="ja-JP" sz="2900" b="1" dirty="0"/>
               <a:t>…</a:t>
             </a:r>
+          </a:p>
+          <a:p>
+            <a:pPr marL="114300" indent="0">
+              <a:buNone/>
+            </a:pPr>
+            <a:r>
+              <a:rPr kumimoji="1" lang="ja-JP" altLang="en-US" sz="2900" b="1" dirty="0"/>
+              <a:t>もしくは死なずにセーフティゾーンまで行けば</a:t>
+            </a:r>
+          </a:p>
+          <a:p>
+            <a:pPr marL="114300" indent="0">
+              <a:buNone/>
+            </a:pPr>
             <a:endParaRPr kumimoji="1" lang="ja-JP" altLang="en-US" sz="2400" dirty="0"/>
           </a:p>
         </p:txBody>
@@ -10105,43 +10119,6 @@
               <a:t>ゲームクリア</a:t>
             </a:r>
             <a:endParaRPr dirty="0"/>
-          </a:p>
-        </p:txBody>
-      </p:sp>
-      <p:sp>
-        <p:nvSpPr>
-          <p:cNvPr id="4" name="正方形/長方形 3">
-            <a:extLst>
-              <a:ext uri="{FF2B5EF4-FFF2-40B4-BE49-F238E27FC236}">
-                <a16:creationId xmlns:a16="http://schemas.microsoft.com/office/drawing/2014/main" id="{A1F1B255-865A-4921-B062-CB55E2881885}"/>
-              </a:ext>
-            </a:extLst>
-          </p:cNvPr>
-          <p:cNvSpPr/>
-          <p:nvPr/>
-        </p:nvSpPr>
-        <p:spPr>
-          <a:xfrm>
-            <a:off x="0" y="4125775"/>
-            <a:ext cx="5195724" cy="369332"/>
-          </a:xfrm>
-          <a:prstGeom prst="rect">
-            <a:avLst/>
-          </a:prstGeom>
-        </p:spPr>
-        <p:txBody>
-          <a:bodyPr wrap="square">
-            <a:spAutoFit/>
-          </a:bodyPr>
-          <a:lstStyle/>
-          <a:p>
-            <a:pPr marL="114300" indent="0">
-              <a:buNone/>
-            </a:pPr>
-            <a:r>
-              <a:rPr kumimoji="1" lang="ja-JP" altLang="en-US" sz="1800" dirty="0"/>
-              <a:t>もしくは死なずにセーフティゾーンまで行けば</a:t>
-            </a:r>
           </a:p>
         </p:txBody>
       </p:sp>
